--- a/Presentations/Aula10-Rede-Roteamento/10-Rede-Roteamento.pptx
+++ b/Presentations/Aula10-Rede-Roteamento/10-Rede-Roteamento.pptx
@@ -6,7 +6,7 @@
     <p:sldMasterId id="2147484236" r:id="rId2"/>
   </p:sldMasterIdLst>
   <p:notesMasterIdLst>
-    <p:notesMasterId r:id="rId21"/>
+    <p:notesMasterId r:id="rId22"/>
   </p:notesMasterIdLst>
   <p:sldIdLst>
     <p:sldId id="257" r:id="rId3"/>
@@ -19,14 +19,15 @@
     <p:sldId id="589" r:id="rId10"/>
     <p:sldId id="590" r:id="rId11"/>
     <p:sldId id="591" r:id="rId12"/>
-    <p:sldId id="592" r:id="rId13"/>
-    <p:sldId id="593" r:id="rId14"/>
-    <p:sldId id="594" r:id="rId15"/>
-    <p:sldId id="595" r:id="rId16"/>
+    <p:sldId id="599" r:id="rId13"/>
+    <p:sldId id="592" r:id="rId14"/>
+    <p:sldId id="593" r:id="rId15"/>
+    <p:sldId id="594" r:id="rId16"/>
     <p:sldId id="596" r:id="rId17"/>
-    <p:sldId id="597" r:id="rId18"/>
-    <p:sldId id="598" r:id="rId19"/>
-    <p:sldId id="582" r:id="rId20"/>
+    <p:sldId id="595" r:id="rId18"/>
+    <p:sldId id="597" r:id="rId19"/>
+    <p:sldId id="598" r:id="rId20"/>
+    <p:sldId id="582" r:id="rId21"/>
   </p:sldIdLst>
   <p:sldSz cx="9144000" cy="6858000" type="screen4x3"/>
   <p:notesSz cx="6669088" cy="9928225"/>
@@ -6312,7 +6313,7 @@
               <a:pPr>
                 <a:defRPr/>
               </a:pPr>
-              <a:t>26/10/2016</a:t>
+              <a:t>15/10/2017</a:t>
             </a:fld>
             <a:endParaRPr lang="pt-BR"/>
           </a:p>
@@ -7010,7 +7011,7 @@
               <a:pPr>
                 <a:defRPr/>
               </a:pPr>
-              <a:t>17</a:t>
+              <a:t>18</a:t>
             </a:fld>
             <a:endParaRPr lang="pt-BR"/>
           </a:p>
@@ -7215,7 +7216,7 @@
               <a:pPr>
                 <a:defRPr/>
               </a:pPr>
-              <a:t>26/10/2016</a:t>
+              <a:t>15/10/2017</a:t>
             </a:fld>
             <a:endParaRPr lang="pt-BR"/>
           </a:p>
@@ -7585,7 +7586,7 @@
               <a:pPr>
                 <a:defRPr/>
               </a:pPr>
-              <a:t>26/10/2016</a:t>
+              <a:t>15/10/2017</a:t>
             </a:fld>
             <a:endParaRPr lang="pt-BR"/>
           </a:p>
@@ -7787,7 +7788,7 @@
               <a:pPr>
                 <a:defRPr/>
               </a:pPr>
-              <a:t>26/10/2016</a:t>
+              <a:t>15/10/2017</a:t>
             </a:fld>
             <a:endParaRPr lang="pt-BR"/>
           </a:p>
@@ -8051,7 +8052,7 @@
               <a:pPr>
                 <a:defRPr/>
               </a:pPr>
-              <a:t>26/10/2016</a:t>
+              <a:t>15/10/2017</a:t>
             </a:fld>
             <a:endParaRPr lang="pt-BR"/>
           </a:p>
@@ -8243,7 +8244,7 @@
               <a:pPr>
                 <a:defRPr/>
               </a:pPr>
-              <a:t>26/10/2016</a:t>
+              <a:t>15/10/2017</a:t>
             </a:fld>
             <a:endParaRPr lang="pt-BR"/>
           </a:p>
@@ -8511,7 +8512,7 @@
               <a:pPr>
                 <a:defRPr/>
               </a:pPr>
-              <a:t>26/10/2016</a:t>
+              <a:t>15/10/2017</a:t>
             </a:fld>
             <a:endParaRPr lang="pt-BR"/>
           </a:p>
@@ -8821,7 +8822,7 @@
               <a:pPr>
                 <a:defRPr/>
               </a:pPr>
-              <a:t>26/10/2016</a:t>
+              <a:t>15/10/2017</a:t>
             </a:fld>
             <a:endParaRPr lang="pt-BR"/>
           </a:p>
@@ -9265,7 +9266,7 @@
               <a:pPr>
                 <a:defRPr/>
               </a:pPr>
-              <a:t>26/10/2016</a:t>
+              <a:t>15/10/2017</a:t>
             </a:fld>
             <a:endParaRPr lang="pt-BR"/>
           </a:p>
@@ -9405,7 +9406,7 @@
               <a:pPr>
                 <a:defRPr/>
               </a:pPr>
-              <a:t>26/10/2016</a:t>
+              <a:t>15/10/2017</a:t>
             </a:fld>
             <a:endParaRPr lang="pt-BR"/>
           </a:p>
@@ -9522,7 +9523,7 @@
               <a:pPr>
                 <a:defRPr/>
               </a:pPr>
-              <a:t>26/10/2016</a:t>
+              <a:t>15/10/2017</a:t>
             </a:fld>
             <a:endParaRPr lang="pt-BR"/>
           </a:p>
@@ -9714,7 +9715,7 @@
               <a:pPr>
                 <a:defRPr/>
               </a:pPr>
-              <a:t>26/10/2016</a:t>
+              <a:t>15/10/2017</a:t>
             </a:fld>
             <a:endParaRPr lang="pt-BR"/>
           </a:p>
@@ -10013,7 +10014,7 @@
               <a:pPr>
                 <a:defRPr/>
               </a:pPr>
-              <a:t>26/10/2016</a:t>
+              <a:t>15/10/2017</a:t>
             </a:fld>
             <a:endParaRPr lang="pt-BR"/>
           </a:p>
@@ -10291,7 +10292,7 @@
               <a:pPr>
                 <a:defRPr/>
               </a:pPr>
-              <a:t>26/10/2016</a:t>
+              <a:t>15/10/2017</a:t>
             </a:fld>
             <a:endParaRPr lang="pt-BR"/>
           </a:p>
@@ -10483,7 +10484,7 @@
               <a:pPr>
                 <a:defRPr/>
               </a:pPr>
-              <a:t>26/10/2016</a:t>
+              <a:t>15/10/2017</a:t>
             </a:fld>
             <a:endParaRPr lang="pt-BR"/>
           </a:p>
@@ -10685,7 +10686,7 @@
               <a:pPr>
                 <a:defRPr/>
               </a:pPr>
-              <a:t>26/10/2016</a:t>
+              <a:t>15/10/2017</a:t>
             </a:fld>
             <a:endParaRPr lang="pt-BR"/>
           </a:p>
@@ -10953,7 +10954,7 @@
               <a:pPr>
                 <a:defRPr/>
               </a:pPr>
-              <a:t>26/10/2016</a:t>
+              <a:t>15/10/2017</a:t>
             </a:fld>
             <a:endParaRPr lang="pt-BR"/>
           </a:p>
@@ -11263,7 +11264,7 @@
               <a:pPr>
                 <a:defRPr/>
               </a:pPr>
-              <a:t>26/10/2016</a:t>
+              <a:t>15/10/2017</a:t>
             </a:fld>
             <a:endParaRPr lang="pt-BR"/>
           </a:p>
@@ -11707,7 +11708,7 @@
               <a:pPr>
                 <a:defRPr/>
               </a:pPr>
-              <a:t>26/10/2016</a:t>
+              <a:t>15/10/2017</a:t>
             </a:fld>
             <a:endParaRPr lang="pt-BR"/>
           </a:p>
@@ -11847,7 +11848,7 @@
               <a:pPr>
                 <a:defRPr/>
               </a:pPr>
-              <a:t>26/10/2016</a:t>
+              <a:t>15/10/2017</a:t>
             </a:fld>
             <a:endParaRPr lang="pt-BR"/>
           </a:p>
@@ -11964,7 +11965,7 @@
               <a:pPr>
                 <a:defRPr/>
               </a:pPr>
-              <a:t>26/10/2016</a:t>
+              <a:t>15/10/2017</a:t>
             </a:fld>
             <a:endParaRPr lang="pt-BR"/>
           </a:p>
@@ -12263,7 +12264,7 @@
               <a:pPr>
                 <a:defRPr/>
               </a:pPr>
-              <a:t>26/10/2016</a:t>
+              <a:t>15/10/2017</a:t>
             </a:fld>
             <a:endParaRPr lang="pt-BR"/>
           </a:p>
@@ -12570,7 +12571,7 @@
               <a:pPr>
                 <a:defRPr/>
               </a:pPr>
-              <a:t>26/10/2016</a:t>
+              <a:t>15/10/2017</a:t>
             </a:fld>
             <a:endParaRPr lang="pt-BR"/>
           </a:p>
@@ -12826,7 +12827,7 @@
               <a:pPr>
                 <a:defRPr/>
               </a:pPr>
-              <a:t>26/10/2016</a:t>
+              <a:t>15/10/2017</a:t>
             </a:fld>
             <a:endParaRPr lang="pt-BR"/>
           </a:p>
@@ -13575,7 +13576,7 @@
               <a:pPr>
                 <a:defRPr/>
               </a:pPr>
-              <a:t>26/10/2016</a:t>
+              <a:t>15/10/2017</a:t>
             </a:fld>
             <a:endParaRPr lang="pt-BR"/>
           </a:p>
@@ -14139,7 +14140,7 @@
                 <a:latin typeface="+mn-lt"/>
                 <a:cs typeface="Arial" pitchFamily="34" charset="0"/>
               </a:rPr>
-              <a:t>27</a:t>
+              <a:t>16</a:t>
             </a:r>
             <a:r>
               <a:rPr lang="pt-BR" sz="2200" b="1" dirty="0" smtClean="0">
@@ -14179,8 +14180,25 @@
                 <a:latin typeface="+mn-lt"/>
                 <a:cs typeface="Arial" pitchFamily="34" charset="0"/>
               </a:rPr>
-              <a:t>de 2016</a:t>
-            </a:r>
+              <a:t>de </a:t>
+            </a:r>
+            <a:r>
+              <a:rPr lang="pt-BR" sz="2200" b="1" dirty="0" smtClean="0">
+                <a:solidFill>
+                  <a:schemeClr val="accent1"/>
+                </a:solidFill>
+                <a:latin typeface="+mn-lt"/>
+                <a:cs typeface="Arial" pitchFamily="34" charset="0"/>
+              </a:rPr>
+              <a:t>2017</a:t>
+            </a:r>
+            <a:endParaRPr lang="pt-BR" sz="2200" b="1" dirty="0">
+              <a:solidFill>
+                <a:schemeClr val="accent1"/>
+              </a:solidFill>
+              <a:latin typeface="+mn-lt"/>
+              <a:cs typeface="Arial" pitchFamily="34" charset="0"/>
+            </a:endParaRPr>
           </a:p>
         </p:txBody>
       </p:sp>
@@ -14773,52 +14791,49 @@
           <a:lstStyle/>
           <a:p>
             <a:r>
-              <a:rPr lang="pt-BR" dirty="0" smtClean="0"/>
+              <a:rPr lang="pt-BR" sz="2800" dirty="0" smtClean="0"/>
               <a:t>Problema de contagem ao infinito</a:t>
             </a:r>
           </a:p>
           <a:p>
             <a:pPr lvl="1"/>
             <a:r>
-              <a:rPr lang="pt-BR" dirty="0" smtClean="0"/>
+              <a:rPr lang="pt-BR" sz="2400" dirty="0" smtClean="0"/>
               <a:t>Boas notícias chegam rápido</a:t>
             </a:r>
           </a:p>
           <a:p>
             <a:pPr lvl="2"/>
             <a:r>
-              <a:rPr lang="pt-BR" dirty="0" smtClean="0"/>
+              <a:rPr lang="pt-BR" sz="2000" dirty="0" smtClean="0"/>
               <a:t>Se o custo diminui, a atualização é rápida</a:t>
             </a:r>
           </a:p>
           <a:p>
             <a:pPr lvl="1"/>
             <a:r>
-              <a:rPr lang="pt-BR" dirty="0" smtClean="0"/>
+              <a:rPr lang="pt-BR" sz="2400" dirty="0" smtClean="0"/>
               <a:t>Más notícias demoram</a:t>
             </a:r>
           </a:p>
           <a:p>
             <a:pPr lvl="2"/>
             <a:r>
-              <a:rPr lang="pt-BR" dirty="0" smtClean="0"/>
+              <a:rPr lang="pt-BR" sz="2000" dirty="0" smtClean="0"/>
               <a:t>Se o custo aumenta, a atualização é lenta</a:t>
             </a:r>
           </a:p>
           <a:p>
             <a:pPr lvl="3"/>
             <a:r>
-              <a:rPr lang="pt-BR" dirty="0" smtClean="0"/>
-              <a:t>Pacote vai e volta entre y e z até descobrir a melhor rota]</a:t>
-            </a:r>
-          </a:p>
-          <a:p>
-            <a:pPr lvl="2"/>
-            <a:r>
-              <a:rPr lang="pt-BR" dirty="0" smtClean="0"/>
-              <a:t>Solução: assim que z descobre que y é a melhor rota, seta a própria distância para x ao infinito</a:t>
-            </a:r>
-            <a:endParaRPr lang="pt-BR" dirty="0"/>
+              <a:rPr lang="pt-BR" sz="1800" dirty="0" smtClean="0"/>
+              <a:t>Pacote vai e volta entre y e z até descobrir a melhor </a:t>
+            </a:r>
+            <a:r>
+              <a:rPr lang="pt-BR" sz="1800" dirty="0" smtClean="0"/>
+              <a:t>rota</a:t>
+            </a:r>
+            <a:endParaRPr lang="pt-BR" sz="1800" dirty="0" smtClean="0"/>
           </a:p>
         </p:txBody>
       </p:sp>
@@ -14862,7 +14877,7 @@
         </p:nvSpPr>
         <p:spPr>
           <a:xfrm>
-            <a:off x="4355976" y="5374957"/>
+            <a:off x="4355976" y="4765302"/>
             <a:ext cx="4968552" cy="646331"/>
           </a:xfrm>
           <a:prstGeom prst="rect">
@@ -14877,7 +14892,106 @@
           <a:p>
             <a:r>
               <a:rPr lang="pt-BR" b="1" dirty="0" smtClean="0"/>
-              <a:t>D y (x) = min{ c(y,x) + Dx (x), c(y,z) +Dz (x)} min{60 + 0, 1+5} = 6</a:t>
+              <a:t>D y (x) = min{ c(y,x) + Dx (x), c(y,z) +Dz (x)} min{60 + 0, </a:t>
+            </a:r>
+            <a:r>
+              <a:rPr lang="pt-BR" b="1" dirty="0" smtClean="0"/>
+              <a:t>1+50} </a:t>
+            </a:r>
+            <a:r>
+              <a:rPr lang="pt-BR" b="1" dirty="0" smtClean="0"/>
+              <a:t>= </a:t>
+            </a:r>
+            <a:r>
+              <a:rPr lang="pt-BR" b="1" dirty="0" smtClean="0"/>
+              <a:t>51</a:t>
+            </a:r>
+            <a:endParaRPr lang="pt-BR" b="1" dirty="0"/>
+          </a:p>
+        </p:txBody>
+      </p:sp>
+      <p:sp>
+        <p:nvSpPr>
+          <p:cNvPr id="6" name="Rectangle 5"/>
+          <p:cNvSpPr/>
+          <p:nvPr/>
+        </p:nvSpPr>
+        <p:spPr>
+          <a:xfrm>
+            <a:off x="4427984" y="5602014"/>
+            <a:ext cx="4968552" cy="923330"/>
+          </a:xfrm>
+          <a:prstGeom prst="rect">
+            <a:avLst/>
+          </a:prstGeom>
+        </p:spPr>
+        <p:txBody>
+          <a:bodyPr wrap="square">
+            <a:spAutoFit/>
+          </a:bodyPr>
+          <a:lstStyle/>
+          <a:p>
+            <a:r>
+              <a:rPr lang="pt-BR" b="1" dirty="0" smtClean="0"/>
+              <a:t>D </a:t>
+            </a:r>
+            <a:r>
+              <a:rPr lang="pt-BR" b="1" dirty="0" smtClean="0"/>
+              <a:t>z </a:t>
+            </a:r>
+            <a:r>
+              <a:rPr lang="pt-BR" b="1" dirty="0" smtClean="0"/>
+              <a:t>(x) = min{ </a:t>
+            </a:r>
+            <a:r>
+              <a:rPr lang="pt-BR" b="1" dirty="0" smtClean="0"/>
+              <a:t>c(z,y) </a:t>
+            </a:r>
+            <a:r>
+              <a:rPr lang="pt-BR" b="1" dirty="0" smtClean="0"/>
+              <a:t>+ </a:t>
+            </a:r>
+            <a:r>
+              <a:rPr lang="pt-BR" b="1" dirty="0" smtClean="0"/>
+              <a:t>Dy </a:t>
+            </a:r>
+            <a:r>
+              <a:rPr lang="pt-BR" b="1" dirty="0" smtClean="0"/>
+              <a:t>(x), </a:t>
+            </a:r>
+            <a:endParaRPr lang="pt-BR" b="1" dirty="0" smtClean="0"/>
+          </a:p>
+          <a:p>
+            <a:r>
+              <a:rPr lang="pt-BR" b="1" dirty="0" smtClean="0"/>
+              <a:t>                         c(z,x</a:t>
+            </a:r>
+            <a:r>
+              <a:rPr lang="pt-BR" b="1" dirty="0" smtClean="0"/>
+              <a:t>)} </a:t>
+            </a:r>
+            <a:endParaRPr lang="pt-BR" b="1" dirty="0" smtClean="0"/>
+          </a:p>
+          <a:p>
+            <a:r>
+              <a:rPr lang="pt-BR" b="1" dirty="0" smtClean="0"/>
+              <a:t>min{4+1 </a:t>
+            </a:r>
+            <a:r>
+              <a:rPr lang="pt-BR" b="1" dirty="0" smtClean="0"/>
+              <a:t>+ 0, </a:t>
+            </a:r>
+            <a:r>
+              <a:rPr lang="pt-BR" b="1" dirty="0" smtClean="0"/>
+              <a:t>1+50} </a:t>
+            </a:r>
+            <a:r>
+              <a:rPr lang="pt-BR" b="1" dirty="0" smtClean="0"/>
+              <a:t>= </a:t>
+            </a:r>
+            <a:r>
+              <a:rPr lang="pt-BR" b="1" dirty="0" smtClean="0"/>
+              <a:t>5</a:t>
             </a:r>
             <a:endParaRPr lang="pt-BR" b="1" dirty="0"/>
           </a:p>
@@ -14899,6 +15013,476 @@
 </file>
 
 <file path=ppt/slides/slide11.xml><?xml version="1.0" encoding="utf-8"?>
+<p:sld xmlns:a="http://schemas.openxmlformats.org/drawingml/2006/main" xmlns:r="http://schemas.openxmlformats.org/officeDocument/2006/relationships" xmlns:p="http://schemas.openxmlformats.org/presentationml/2006/main">
+  <p:cSld>
+    <p:spTree>
+      <p:nvGrpSpPr>
+        <p:cNvPr id="1" name=""/>
+        <p:cNvGrpSpPr/>
+        <p:nvPr/>
+      </p:nvGrpSpPr>
+      <p:grpSpPr>
+        <a:xfrm>
+          <a:off x="0" y="0"/>
+          <a:ext cx="0" cy="0"/>
+          <a:chOff x="0" y="0"/>
+          <a:chExt cx="0" cy="0"/>
+        </a:xfrm>
+      </p:grpSpPr>
+      <p:sp>
+        <p:nvSpPr>
+          <p:cNvPr id="2" name="Title 1"/>
+          <p:cNvSpPr>
+            <a:spLocks noGrp="1"/>
+          </p:cNvSpPr>
+          <p:nvPr>
+            <p:ph type="title"/>
+          </p:nvPr>
+        </p:nvSpPr>
+        <p:spPr/>
+        <p:txBody>
+          <a:bodyPr/>
+          <a:lstStyle/>
+          <a:p>
+            <a:r>
+              <a:rPr lang="pt-BR" dirty="0" smtClean="0"/>
+              <a:t>Distance-Vector</a:t>
+            </a:r>
+            <a:endParaRPr lang="pt-BR" dirty="0"/>
+          </a:p>
+        </p:txBody>
+      </p:sp>
+      <p:sp>
+        <p:nvSpPr>
+          <p:cNvPr id="3" name="Content Placeholder 2"/>
+          <p:cNvSpPr>
+            <a:spLocks noGrp="1"/>
+          </p:cNvSpPr>
+          <p:nvPr>
+            <p:ph idx="1"/>
+          </p:nvPr>
+        </p:nvSpPr>
+        <p:spPr/>
+        <p:txBody>
+          <a:bodyPr/>
+          <a:lstStyle/>
+          <a:p>
+            <a:r>
+              <a:rPr lang="pt-BR" dirty="0" smtClean="0"/>
+              <a:t>Problema de contagem ao infinito</a:t>
+            </a:r>
+          </a:p>
+          <a:p>
+            <a:pPr lvl="1"/>
+            <a:r>
+              <a:rPr lang="pt-BR" dirty="0" smtClean="0"/>
+              <a:t>Solução: assim que z descobre que y é a melhor rota, seta a própria distância para x ao infinito</a:t>
+            </a:r>
+          </a:p>
+          <a:p>
+            <a:pPr lvl="1"/>
+            <a:endParaRPr lang="pt-BR" dirty="0"/>
+          </a:p>
+        </p:txBody>
+      </p:sp>
+      <p:pic>
+        <p:nvPicPr>
+          <p:cNvPr id="4" name="Picture 2"/>
+          <p:cNvPicPr>
+            <a:picLocks noChangeAspect="1" noChangeArrowheads="1"/>
+          </p:cNvPicPr>
+          <p:nvPr/>
+        </p:nvPicPr>
+        <p:blipFill>
+          <a:blip r:embed="rId2" cstate="print"/>
+          <a:srcRect/>
+          <a:stretch>
+            <a:fillRect/>
+          </a:stretch>
+        </p:blipFill>
+        <p:spPr bwMode="auto">
+          <a:xfrm>
+            <a:off x="3131840" y="3861048"/>
+            <a:ext cx="2566962" cy="1690050"/>
+          </a:xfrm>
+          <a:prstGeom prst="rect">
+            <a:avLst/>
+          </a:prstGeom>
+          <a:noFill/>
+          <a:ln w="9525">
+            <a:noFill/>
+            <a:miter lim="800000"/>
+            <a:headEnd/>
+            <a:tailEnd/>
+          </a:ln>
+        </p:spPr>
+      </p:pic>
+      <p:cxnSp>
+        <p:nvCxnSpPr>
+          <p:cNvPr id="6" name="Curved Connector 5"/>
+          <p:cNvCxnSpPr/>
+          <p:nvPr/>
+        </p:nvCxnSpPr>
+        <p:spPr>
+          <a:xfrm rot="10800000">
+            <a:off x="4716016" y="4005064"/>
+            <a:ext cx="1008112" cy="720080"/>
+          </a:xfrm>
+          <a:prstGeom prst="curvedConnector3">
+            <a:avLst>
+              <a:gd name="adj1" fmla="val 3136"/>
+            </a:avLst>
+          </a:prstGeom>
+          <a:ln w="28575">
+            <a:tailEnd type="arrow"/>
+          </a:ln>
+        </p:spPr>
+        <p:style>
+          <a:lnRef idx="1">
+            <a:schemeClr val="dk1"/>
+          </a:lnRef>
+          <a:fillRef idx="0">
+            <a:schemeClr val="dk1"/>
+          </a:fillRef>
+          <a:effectRef idx="0">
+            <a:schemeClr val="dk1"/>
+          </a:effectRef>
+          <a:fontRef idx="minor">
+            <a:schemeClr val="tx1"/>
+          </a:fontRef>
+        </p:style>
+      </p:cxnSp>
+      <p:cxnSp>
+        <p:nvCxnSpPr>
+          <p:cNvPr id="13" name="Curved Connector 12"/>
+          <p:cNvCxnSpPr/>
+          <p:nvPr/>
+        </p:nvCxnSpPr>
+        <p:spPr>
+          <a:xfrm rot="10800000">
+            <a:off x="5076056" y="3717032"/>
+            <a:ext cx="1008112" cy="720080"/>
+          </a:xfrm>
+          <a:prstGeom prst="curvedConnector3">
+            <a:avLst>
+              <a:gd name="adj1" fmla="val 3136"/>
+            </a:avLst>
+          </a:prstGeom>
+          <a:ln w="28575">
+            <a:headEnd type="arrow" w="med" len="med"/>
+            <a:tailEnd type="none" w="med" len="med"/>
+          </a:ln>
+        </p:spPr>
+        <p:style>
+          <a:lnRef idx="1">
+            <a:schemeClr val="dk1"/>
+          </a:lnRef>
+          <a:fillRef idx="0">
+            <a:schemeClr val="dk1"/>
+          </a:fillRef>
+          <a:effectRef idx="0">
+            <a:schemeClr val="dk1"/>
+          </a:effectRef>
+          <a:fontRef idx="minor">
+            <a:schemeClr val="tx1"/>
+          </a:fontRef>
+        </p:style>
+      </p:cxnSp>
+      <p:sp>
+        <p:nvSpPr>
+          <p:cNvPr id="14" name="Cloud Callout 13"/>
+          <p:cNvSpPr/>
+          <p:nvPr/>
+        </p:nvSpPr>
+        <p:spPr>
+          <a:xfrm>
+            <a:off x="6191672" y="4509120"/>
+            <a:ext cx="2952328" cy="1296144"/>
+          </a:xfrm>
+          <a:prstGeom prst="cloudCallout">
+            <a:avLst>
+              <a:gd name="adj1" fmla="val -62645"/>
+              <a:gd name="adj2" fmla="val -39794"/>
+            </a:avLst>
+          </a:prstGeom>
+        </p:spPr>
+        <p:style>
+          <a:lnRef idx="2">
+            <a:schemeClr val="accent1">
+              <a:shade val="50000"/>
+            </a:schemeClr>
+          </a:lnRef>
+          <a:fillRef idx="1">
+            <a:schemeClr val="accent1"/>
+          </a:fillRef>
+          <a:effectRef idx="0">
+            <a:schemeClr val="accent1"/>
+          </a:effectRef>
+          <a:fontRef idx="minor">
+            <a:schemeClr val="lt1"/>
+          </a:fontRef>
+        </p:style>
+        <p:txBody>
+          <a:bodyPr rtlCol="0" anchor="ctr"/>
+          <a:lstStyle/>
+          <a:p>
+            <a:pPr algn="ctr"/>
+            <a:r>
+              <a:rPr lang="pt-BR" dirty="0" smtClean="0"/>
+              <a:t>Omelhor caminho é por y:</a:t>
+            </a:r>
+          </a:p>
+          <a:p>
+            <a:pPr algn="ctr"/>
+            <a:r>
+              <a:rPr lang="pt-BR" dirty="0" smtClean="0"/>
+              <a:t>1+4 &lt; 50</a:t>
+            </a:r>
+            <a:endParaRPr lang="pt-BR" dirty="0"/>
+          </a:p>
+        </p:txBody>
+      </p:sp>
+      <p:sp>
+        <p:nvSpPr>
+          <p:cNvPr id="15" name="Cloud Callout 14"/>
+          <p:cNvSpPr/>
+          <p:nvPr/>
+        </p:nvSpPr>
+        <p:spPr>
+          <a:xfrm>
+            <a:off x="539552" y="3212976"/>
+            <a:ext cx="2952328" cy="1296144"/>
+          </a:xfrm>
+          <a:prstGeom prst="cloudCallout">
+            <a:avLst>
+              <a:gd name="adj1" fmla="val 69118"/>
+              <a:gd name="adj2" fmla="val 11622"/>
+            </a:avLst>
+          </a:prstGeom>
+        </p:spPr>
+        <p:style>
+          <a:lnRef idx="2">
+            <a:schemeClr val="accent1">
+              <a:shade val="50000"/>
+            </a:schemeClr>
+          </a:lnRef>
+          <a:fillRef idx="1">
+            <a:schemeClr val="accent1"/>
+          </a:fillRef>
+          <a:effectRef idx="0">
+            <a:schemeClr val="accent1"/>
+          </a:effectRef>
+          <a:fontRef idx="minor">
+            <a:schemeClr val="lt1"/>
+          </a:fontRef>
+        </p:style>
+        <p:txBody>
+          <a:bodyPr rtlCol="0" anchor="ctr"/>
+          <a:lstStyle/>
+          <a:p>
+            <a:pPr algn="ctr"/>
+            <a:r>
+              <a:rPr lang="pt-BR" dirty="0" smtClean="0"/>
+              <a:t>Omelhor caminho é por z:</a:t>
+            </a:r>
+          </a:p>
+          <a:p>
+            <a:pPr algn="ctr"/>
+            <a:r>
+              <a:rPr lang="pt-BR" dirty="0" smtClean="0"/>
+              <a:t>1+50 &lt; 60</a:t>
+            </a:r>
+            <a:endParaRPr lang="pt-BR" dirty="0"/>
+          </a:p>
+        </p:txBody>
+      </p:sp>
+    </p:spTree>
+  </p:cSld>
+  <p:clrMapOvr>
+    <a:masterClrMapping/>
+  </p:clrMapOvr>
+  <p:timing>
+    <p:tnLst>
+      <p:par>
+        <p:cTn id="1" dur="indefinite" restart="never" nodeType="tmRoot">
+          <p:childTnLst>
+            <p:seq concurrent="1" nextAc="seek">
+              <p:cTn id="2" dur="indefinite" nodeType="mainSeq">
+                <p:childTnLst>
+                  <p:par>
+                    <p:cTn id="3" fill="hold">
+                      <p:stCondLst>
+                        <p:cond delay="indefinite"/>
+                      </p:stCondLst>
+                      <p:childTnLst>
+                        <p:par>
+                          <p:cTn id="4" fill="hold">
+                            <p:stCondLst>
+                              <p:cond delay="0"/>
+                            </p:stCondLst>
+                            <p:childTnLst>
+                              <p:par>
+                                <p:cTn id="5" presetID="1" presetClass="entr" presetSubtype="0" fill="hold" nodeType="clickEffect">
+                                  <p:stCondLst>
+                                    <p:cond delay="0"/>
+                                  </p:stCondLst>
+                                  <p:childTnLst>
+                                    <p:set>
+                                      <p:cBhvr>
+                                        <p:cTn id="6" dur="1" fill="hold">
+                                          <p:stCondLst>
+                                            <p:cond delay="0"/>
+                                          </p:stCondLst>
+                                        </p:cTn>
+                                        <p:tgtEl>
+                                          <p:spTgt spid="6"/>
+                                        </p:tgtEl>
+                                        <p:attrNameLst>
+                                          <p:attrName>style.visibility</p:attrName>
+                                        </p:attrNameLst>
+                                      </p:cBhvr>
+                                      <p:to>
+                                        <p:strVal val="visible"/>
+                                      </p:to>
+                                    </p:set>
+                                  </p:childTnLst>
+                                </p:cTn>
+                              </p:par>
+                              <p:par>
+                                <p:cTn id="7" presetID="1" presetClass="entr" presetSubtype="0" fill="hold" grpId="0" nodeType="withEffect">
+                                  <p:stCondLst>
+                                    <p:cond delay="0"/>
+                                  </p:stCondLst>
+                                  <p:childTnLst>
+                                    <p:set>
+                                      <p:cBhvr>
+                                        <p:cTn id="8" dur="1" fill="hold">
+                                          <p:stCondLst>
+                                            <p:cond delay="0"/>
+                                          </p:stCondLst>
+                                        </p:cTn>
+                                        <p:tgtEl>
+                                          <p:spTgt spid="14"/>
+                                        </p:tgtEl>
+                                        <p:attrNameLst>
+                                          <p:attrName>style.visibility</p:attrName>
+                                        </p:attrNameLst>
+                                      </p:cBhvr>
+                                      <p:to>
+                                        <p:strVal val="visible"/>
+                                      </p:to>
+                                    </p:set>
+                                  </p:childTnLst>
+                                </p:cTn>
+                              </p:par>
+                            </p:childTnLst>
+                          </p:cTn>
+                        </p:par>
+                      </p:childTnLst>
+                    </p:cTn>
+                  </p:par>
+                  <p:par>
+                    <p:cTn id="9" fill="hold">
+                      <p:stCondLst>
+                        <p:cond delay="indefinite"/>
+                      </p:stCondLst>
+                      <p:childTnLst>
+                        <p:par>
+                          <p:cTn id="10" fill="hold">
+                            <p:stCondLst>
+                              <p:cond delay="0"/>
+                            </p:stCondLst>
+                            <p:childTnLst>
+                              <p:par>
+                                <p:cTn id="11" presetID="1" presetClass="entr" presetSubtype="0" fill="hold" nodeType="clickEffect">
+                                  <p:stCondLst>
+                                    <p:cond delay="0"/>
+                                  </p:stCondLst>
+                                  <p:childTnLst>
+                                    <p:set>
+                                      <p:cBhvr>
+                                        <p:cTn id="12" dur="1" fill="hold">
+                                          <p:stCondLst>
+                                            <p:cond delay="0"/>
+                                          </p:stCondLst>
+                                        </p:cTn>
+                                        <p:tgtEl>
+                                          <p:spTgt spid="13"/>
+                                        </p:tgtEl>
+                                        <p:attrNameLst>
+                                          <p:attrName>style.visibility</p:attrName>
+                                        </p:attrNameLst>
+                                      </p:cBhvr>
+                                      <p:to>
+                                        <p:strVal val="visible"/>
+                                      </p:to>
+                                    </p:set>
+                                  </p:childTnLst>
+                                </p:cTn>
+                              </p:par>
+                              <p:par>
+                                <p:cTn id="13" presetID="1" presetClass="entr" presetSubtype="0" fill="hold" grpId="0" nodeType="withEffect">
+                                  <p:stCondLst>
+                                    <p:cond delay="0"/>
+                                  </p:stCondLst>
+                                  <p:childTnLst>
+                                    <p:set>
+                                      <p:cBhvr>
+                                        <p:cTn id="14" dur="1" fill="hold">
+                                          <p:stCondLst>
+                                            <p:cond delay="0"/>
+                                          </p:stCondLst>
+                                        </p:cTn>
+                                        <p:tgtEl>
+                                          <p:spTgt spid="15"/>
+                                        </p:tgtEl>
+                                        <p:attrNameLst>
+                                          <p:attrName>style.visibility</p:attrName>
+                                        </p:attrNameLst>
+                                      </p:cBhvr>
+                                      <p:to>
+                                        <p:strVal val="visible"/>
+                                      </p:to>
+                                    </p:set>
+                                  </p:childTnLst>
+                                </p:cTn>
+                              </p:par>
+                            </p:childTnLst>
+                          </p:cTn>
+                        </p:par>
+                      </p:childTnLst>
+                    </p:cTn>
+                  </p:par>
+                </p:childTnLst>
+              </p:cTn>
+              <p:prevCondLst>
+                <p:cond evt="onPrev" delay="0">
+                  <p:tgtEl>
+                    <p:sldTgt/>
+                  </p:tgtEl>
+                </p:cond>
+              </p:prevCondLst>
+              <p:nextCondLst>
+                <p:cond evt="onNext" delay="0">
+                  <p:tgtEl>
+                    <p:sldTgt/>
+                  </p:tgtEl>
+                </p:cond>
+              </p:nextCondLst>
+            </p:seq>
+          </p:childTnLst>
+        </p:cTn>
+      </p:par>
+    </p:tnLst>
+    <p:bldLst>
+      <p:bldP spid="14" grpId="0" animBg="1"/>
+      <p:bldP spid="15" grpId="0" animBg="1"/>
+    </p:bldLst>
+  </p:timing>
+</p:sld>
+</file>
+
+<file path=ppt/slides/slide12.xml><?xml version="1.0" encoding="utf-8"?>
 <p:sld xmlns:a="http://schemas.openxmlformats.org/drawingml/2006/main" xmlns:r="http://schemas.openxmlformats.org/officeDocument/2006/relationships" xmlns:p="http://schemas.openxmlformats.org/presentationml/2006/main">
   <p:cSld>
     <p:spTree>
@@ -15174,133 +15758,6 @@
 </p:sld>
 </file>
 
-<file path=ppt/slides/slide12.xml><?xml version="1.0" encoding="utf-8"?>
-<p:sld xmlns:a="http://schemas.openxmlformats.org/drawingml/2006/main" xmlns:r="http://schemas.openxmlformats.org/officeDocument/2006/relationships" xmlns:p="http://schemas.openxmlformats.org/presentationml/2006/main">
-  <p:cSld>
-    <p:spTree>
-      <p:nvGrpSpPr>
-        <p:cNvPr id="1" name=""/>
-        <p:cNvGrpSpPr/>
-        <p:nvPr/>
-      </p:nvGrpSpPr>
-      <p:grpSpPr>
-        <a:xfrm>
-          <a:off x="0" y="0"/>
-          <a:ext cx="0" cy="0"/>
-          <a:chOff x="0" y="0"/>
-          <a:chExt cx="0" cy="0"/>
-        </a:xfrm>
-      </p:grpSpPr>
-      <p:sp>
-        <p:nvSpPr>
-          <p:cNvPr id="2" name="Title 1"/>
-          <p:cNvSpPr>
-            <a:spLocks noGrp="1"/>
-          </p:cNvSpPr>
-          <p:nvPr>
-            <p:ph type="title"/>
-          </p:nvPr>
-        </p:nvSpPr>
-        <p:spPr/>
-        <p:txBody>
-          <a:bodyPr/>
-          <a:lstStyle/>
-          <a:p>
-            <a:r>
-              <a:rPr lang="pt-BR" dirty="0" smtClean="0"/>
-              <a:t>Roteamento Hierárquico</a:t>
-            </a:r>
-            <a:endParaRPr lang="pt-BR" dirty="0"/>
-          </a:p>
-        </p:txBody>
-      </p:sp>
-      <p:sp>
-        <p:nvSpPr>
-          <p:cNvPr id="3" name="Content Placeholder 2"/>
-          <p:cNvSpPr>
-            <a:spLocks noGrp="1"/>
-          </p:cNvSpPr>
-          <p:nvPr>
-            <p:ph idx="1"/>
-          </p:nvPr>
-        </p:nvSpPr>
-        <p:spPr/>
-        <p:txBody>
-          <a:bodyPr/>
-          <a:lstStyle/>
-          <a:p>
-            <a:r>
-              <a:rPr lang="pt-BR" dirty="0" smtClean="0"/>
-              <a:t>O quão </a:t>
-            </a:r>
-            <a:r>
-              <a:rPr lang="pt-BR" b="1" dirty="0" smtClean="0"/>
-              <a:t>escalável</a:t>
-            </a:r>
-            <a:r>
-              <a:rPr lang="pt-BR" dirty="0" smtClean="0"/>
-              <a:t> poderia ser um roteamento?</a:t>
-            </a:r>
-          </a:p>
-          <a:p>
-            <a:r>
-              <a:rPr lang="pt-BR" dirty="0" smtClean="0"/>
-              <a:t>Roteamento da Internet</a:t>
-            </a:r>
-          </a:p>
-          <a:p>
-            <a:pPr lvl="1"/>
-            <a:r>
-              <a:rPr lang="pt-BR" dirty="0" smtClean="0"/>
-              <a:t>Dividida em Sistemas autônomos (Autonomous Systems – AS)</a:t>
-            </a:r>
-          </a:p>
-          <a:p>
-            <a:pPr lvl="1"/>
-            <a:r>
-              <a:rPr lang="pt-BR" dirty="0" smtClean="0"/>
-              <a:t>Cada AS roda seu algoritmo de roteamento interno</a:t>
-            </a:r>
-          </a:p>
-          <a:p>
-            <a:pPr lvl="2"/>
-            <a:r>
-              <a:rPr lang="pt-BR" dirty="0" smtClean="0"/>
-              <a:t>Roteamento intra-AS</a:t>
-            </a:r>
-          </a:p>
-          <a:p>
-            <a:pPr lvl="1"/>
-            <a:r>
-              <a:rPr lang="pt-BR" dirty="0" smtClean="0"/>
-              <a:t>Roteamento entre Ass</a:t>
-            </a:r>
-          </a:p>
-          <a:p>
-            <a:pPr lvl="2"/>
-            <a:r>
-              <a:rPr lang="pt-BR" dirty="0" smtClean="0"/>
-              <a:t>Por meio de Gateways</a:t>
-            </a:r>
-            <a:endParaRPr lang="pt-BR" dirty="0"/>
-          </a:p>
-        </p:txBody>
-      </p:sp>
-    </p:spTree>
-  </p:cSld>
-  <p:clrMapOvr>
-    <a:masterClrMapping/>
-  </p:clrMapOvr>
-  <p:timing>
-    <p:tnLst>
-      <p:par>
-        <p:cTn id="1" dur="indefinite" restart="never" nodeType="tmRoot"/>
-      </p:par>
-    </p:tnLst>
-  </p:timing>
-</p:sld>
-</file>
-
 <file path=ppt/slides/slide13.xml><?xml version="1.0" encoding="utf-8"?>
 <p:sld xmlns:a="http://schemas.openxmlformats.org/drawingml/2006/main" xmlns:r="http://schemas.openxmlformats.org/officeDocument/2006/relationships" xmlns:p="http://schemas.openxmlformats.org/presentationml/2006/main">
   <p:cSld>
@@ -15351,64 +15808,65 @@
             <p:ph idx="1"/>
           </p:nvPr>
         </p:nvSpPr>
-        <p:spPr>
-          <a:xfrm>
-            <a:off x="457200" y="1600200"/>
-            <a:ext cx="8686800" cy="5069160"/>
-          </a:xfrm>
-          <a:solidFill>
-            <a:schemeClr val="bg1"/>
-          </a:solidFill>
-        </p:spPr>
+        <p:spPr/>
         <p:txBody>
           <a:bodyPr/>
           <a:lstStyle/>
           <a:p>
             <a:r>
               <a:rPr lang="pt-BR" dirty="0" smtClean="0"/>
-              <a:t>Interior Gateway Protocols (IGP)</a:t>
+              <a:t>O quão </a:t>
+            </a:r>
+            <a:r>
+              <a:rPr lang="pt-BR" b="1" dirty="0" smtClean="0"/>
+              <a:t>escalável</a:t>
+            </a:r>
+            <a:r>
+              <a:rPr lang="pt-BR" dirty="0" smtClean="0"/>
+              <a:t> poderia ser um roteamento?</a:t>
+            </a:r>
+          </a:p>
+          <a:p>
+            <a:r>
+              <a:rPr lang="pt-BR" dirty="0" smtClean="0"/>
+              <a:t>Roteamento da Internet</a:t>
             </a:r>
           </a:p>
           <a:p>
             <a:pPr lvl="1"/>
             <a:r>
               <a:rPr lang="pt-BR" dirty="0" smtClean="0"/>
-              <a:t>Intra-AS</a:t>
+              <a:t>Dividida em Sistemas autônomos (Autonomous Systems – AS)</a:t>
             </a:r>
           </a:p>
           <a:p>
             <a:pPr lvl="1"/>
             <a:r>
               <a:rPr lang="pt-BR" dirty="0" smtClean="0"/>
-              <a:t>RIP: Routing Information Protocol</a:t>
+              <a:t>Cada AS roda seu algoritmo de roteamento interno</a:t>
+            </a:r>
+          </a:p>
+          <a:p>
+            <a:pPr lvl="2"/>
+            <a:r>
+              <a:rPr lang="pt-BR" dirty="0" smtClean="0"/>
+              <a:t>Roteamento intra-AS</a:t>
             </a:r>
           </a:p>
           <a:p>
             <a:pPr lvl="1"/>
             <a:r>
               <a:rPr lang="pt-BR" dirty="0" smtClean="0"/>
-              <a:t>OSPF: Open Shortest Path First</a:t>
-            </a:r>
-          </a:p>
-          <a:p>
-            <a:pPr lvl="1"/>
+              <a:t>Roteamento entre Ass</a:t>
+            </a:r>
+          </a:p>
+          <a:p>
+            <a:pPr lvl="2"/>
             <a:r>
               <a:rPr lang="pt-BR" dirty="0" smtClean="0"/>
-              <a:t>IGRP: Interior Gateway Routing Protocol (Cisco proprietary)</a:t>
-            </a:r>
-          </a:p>
-          <a:p>
-            <a:r>
-              <a:rPr lang="pt-BR" dirty="0" smtClean="0"/>
-              <a:t>BGP (Border Gateway Protocol)</a:t>
-            </a:r>
-          </a:p>
-          <a:p>
-            <a:pPr lvl="1"/>
-            <a:r>
-              <a:rPr lang="pt-BR" dirty="0" smtClean="0"/>
-              <a:t>Inter-AS</a:t>
-            </a:r>
+              <a:t>Por meio de Gateways</a:t>
+            </a:r>
+            <a:endParaRPr lang="pt-BR" dirty="0"/>
           </a:p>
         </p:txBody>
       </p:sp>
@@ -15461,7 +15919,7 @@
           <a:p>
             <a:r>
               <a:rPr lang="pt-BR" dirty="0" smtClean="0"/>
-              <a:t>RIP</a:t>
+              <a:t>Roteamento Hierárquico</a:t>
             </a:r>
             <a:endParaRPr lang="pt-BR" dirty="0"/>
           </a:p>
@@ -15479,8 +15937,8 @@
         </p:nvSpPr>
         <p:spPr>
           <a:xfrm>
-            <a:off x="457200" y="1412776"/>
-            <a:ext cx="8229600" cy="5445224"/>
+            <a:off x="457200" y="1600200"/>
+            <a:ext cx="8686800" cy="5069160"/>
           </a:xfrm>
           <a:solidFill>
             <a:schemeClr val="bg1"/>
@@ -15492,6 +15950,20 @@
           <a:p>
             <a:r>
               <a:rPr lang="pt-BR" dirty="0" smtClean="0"/>
+              <a:t>Interior Gateway Protocols (IGP)</a:t>
+            </a:r>
+          </a:p>
+          <a:p>
+            <a:pPr lvl="1"/>
+            <a:r>
+              <a:rPr lang="pt-BR" dirty="0" smtClean="0"/>
+              <a:t>Intra-AS</a:t>
+            </a:r>
+          </a:p>
+          <a:p>
+            <a:pPr lvl="1"/>
+            <a:r>
+              <a:rPr lang="pt-BR" dirty="0" smtClean="0"/>
               <a:t>RIP: Routing Information Protocol</a:t>
             </a:r>
           </a:p>
@@ -15499,67 +15971,28 @@
             <a:pPr lvl="1"/>
             <a:r>
               <a:rPr lang="pt-BR" dirty="0" smtClean="0"/>
-              <a:t>DV</a:t>
+              <a:t>OSPF: Open Shortest Path First</a:t>
             </a:r>
           </a:p>
           <a:p>
             <a:pPr lvl="1"/>
             <a:r>
               <a:rPr lang="pt-BR" dirty="0" smtClean="0"/>
-              <a:t>Métrica : hops</a:t>
+              <a:t>IGRP: Interior Gateway Routing Protocol (Cisco proprietary)</a:t>
+            </a:r>
+          </a:p>
+          <a:p>
+            <a:r>
+              <a:rPr lang="pt-BR" dirty="0" smtClean="0"/>
+              <a:t>BGP (Border Gateway Protocol)</a:t>
             </a:r>
           </a:p>
           <a:p>
             <a:pPr lvl="1"/>
             <a:r>
               <a:rPr lang="pt-BR" dirty="0" smtClean="0"/>
-              <a:t>Vetores distribuídos a cada 30 s</a:t>
-            </a:r>
-          </a:p>
-          <a:p>
-            <a:pPr lvl="2"/>
-            <a:r>
-              <a:rPr lang="pt-BR" dirty="0" smtClean="0"/>
-              <a:t>Tamanho máximo de 25</a:t>
-            </a:r>
-          </a:p>
-          <a:p>
-            <a:pPr lvl="2"/>
-            <a:r>
-              <a:rPr lang="pt-BR" dirty="0" smtClean="0"/>
-              <a:t>Se em 180s não responder, roteador considerado morto</a:t>
-            </a:r>
-          </a:p>
-          <a:p>
-            <a:pPr lvl="3"/>
-            <a:r>
-              <a:rPr lang="pt-BR" dirty="0" smtClean="0"/>
-              <a:t>Nós enviam anúncio</a:t>
-            </a:r>
-          </a:p>
-          <a:p>
-            <a:pPr lvl="2"/>
-            <a:r>
-              <a:rPr lang="pt-BR" dirty="0" smtClean="0"/>
-              <a:t>Infinito = 16 hops</a:t>
-            </a:r>
-          </a:p>
-          <a:p>
-            <a:pPr lvl="1"/>
-            <a:r>
-              <a:rPr lang="pt-BR" dirty="0" smtClean="0"/>
-              <a:t>Roda sobre UDP (!!!)</a:t>
-            </a:r>
-          </a:p>
-          <a:p>
-            <a:pPr lvl="2"/>
-            <a:r>
-              <a:rPr lang="pt-BR" dirty="0" smtClean="0"/>
-              <a:t>Necessário um processo no OS para atualizar tabela de roteamento</a:t>
-            </a:r>
-          </a:p>
-          <a:p>
-            <a:endParaRPr lang="pt-BR" dirty="0"/>
+              <a:t>Inter-AS</a:t>
+            </a:r>
           </a:p>
         </p:txBody>
       </p:sp>
@@ -15758,7 +16191,7 @@
           <a:p>
             <a:r>
               <a:rPr lang="pt-BR" dirty="0" smtClean="0"/>
-              <a:t>BGP</a:t>
+              <a:t>RIP</a:t>
             </a:r>
             <a:endParaRPr lang="pt-BR" dirty="0"/>
           </a:p>
@@ -15774,63 +16207,85 @@
             <p:ph idx="1"/>
           </p:nvPr>
         </p:nvSpPr>
-        <p:spPr/>
+        <p:spPr>
+          <a:xfrm>
+            <a:off x="457200" y="1412776"/>
+            <a:ext cx="8229600" cy="5445224"/>
+          </a:xfrm>
+          <a:solidFill>
+            <a:schemeClr val="bg1"/>
+          </a:solidFill>
+        </p:spPr>
         <p:txBody>
           <a:bodyPr/>
           <a:lstStyle/>
           <a:p>
             <a:r>
               <a:rPr lang="pt-BR" dirty="0" smtClean="0"/>
-              <a:t>BGP (Border Gateway Protocol)</a:t>
+              <a:t>RIP: Routing Information Protocol</a:t>
             </a:r>
           </a:p>
           <a:p>
             <a:pPr lvl="1"/>
             <a:r>
               <a:rPr lang="pt-BR" dirty="0" smtClean="0"/>
-              <a:t>Inter-AS</a:t>
+              <a:t>DV</a:t>
             </a:r>
           </a:p>
           <a:p>
             <a:pPr lvl="1"/>
             <a:r>
               <a:rPr lang="pt-BR" dirty="0" smtClean="0"/>
-              <a:t>Determina alcance de sub-redes</a:t>
+              <a:t>Métrica : hops</a:t>
             </a:r>
           </a:p>
           <a:p>
             <a:pPr lvl="1"/>
             <a:r>
               <a:rPr lang="pt-BR" dirty="0" smtClean="0"/>
-              <a:t>Sub-redes podem anunciar existência para a Internet</a:t>
+              <a:t>Vetores distribuídos a cada 30 s</a:t>
+            </a:r>
+          </a:p>
+          <a:p>
+            <a:pPr lvl="2"/>
+            <a:r>
+              <a:rPr lang="pt-BR" dirty="0" smtClean="0"/>
+              <a:t>Tamanho máximo de 25</a:t>
+            </a:r>
+          </a:p>
+          <a:p>
+            <a:pPr lvl="2"/>
+            <a:r>
+              <a:rPr lang="pt-BR" dirty="0" smtClean="0"/>
+              <a:t>Se em 180s não responder, roteador considerado morto</a:t>
+            </a:r>
+          </a:p>
+          <a:p>
+            <a:pPr lvl="3"/>
+            <a:r>
+              <a:rPr lang="pt-BR" dirty="0" smtClean="0"/>
+              <a:t>Nós enviam anúncio</a:t>
+            </a:r>
+          </a:p>
+          <a:p>
+            <a:pPr lvl="2"/>
+            <a:r>
+              <a:rPr lang="pt-BR" dirty="0" smtClean="0"/>
+              <a:t>Infinito = 16 hops</a:t>
             </a:r>
           </a:p>
           <a:p>
             <a:pPr lvl="1"/>
             <a:r>
               <a:rPr lang="pt-BR" dirty="0" smtClean="0"/>
-              <a:t>Sobre TCP</a:t>
+              <a:t>Roda sobre UDP (!!!)</a:t>
             </a:r>
           </a:p>
           <a:p>
             <a:pPr lvl="2"/>
             <a:r>
               <a:rPr lang="pt-BR" dirty="0" smtClean="0"/>
-              <a:t>Sessões BGP</a:t>
-            </a:r>
-          </a:p>
-          <a:p>
-            <a:pPr lvl="1"/>
-            <a:r>
-              <a:rPr lang="pt-BR" dirty="0" smtClean="0"/>
-              <a:t>Roteadores BGP falam em nome do AS</a:t>
-            </a:r>
-          </a:p>
-          <a:p>
-            <a:pPr lvl="1"/>
-            <a:r>
-              <a:rPr lang="pt-BR" dirty="0" smtClean="0"/>
-              <a:t>Agregação de rotas</a:t>
+              <a:t>Necessário um processo no OS para atualizar tabela de roteamento</a:t>
             </a:r>
           </a:p>
           <a:p>
@@ -15854,6 +16309,135 @@
 </file>
 
 <file path=ppt/slides/slide17.xml><?xml version="1.0" encoding="utf-8"?>
+<p:sld xmlns:a="http://schemas.openxmlformats.org/drawingml/2006/main" xmlns:r="http://schemas.openxmlformats.org/officeDocument/2006/relationships" xmlns:p="http://schemas.openxmlformats.org/presentationml/2006/main">
+  <p:cSld>
+    <p:spTree>
+      <p:nvGrpSpPr>
+        <p:cNvPr id="1" name=""/>
+        <p:cNvGrpSpPr/>
+        <p:nvPr/>
+      </p:nvGrpSpPr>
+      <p:grpSpPr>
+        <a:xfrm>
+          <a:off x="0" y="0"/>
+          <a:ext cx="0" cy="0"/>
+          <a:chOff x="0" y="0"/>
+          <a:chExt cx="0" cy="0"/>
+        </a:xfrm>
+      </p:grpSpPr>
+      <p:sp>
+        <p:nvSpPr>
+          <p:cNvPr id="2" name="Title 1"/>
+          <p:cNvSpPr>
+            <a:spLocks noGrp="1"/>
+          </p:cNvSpPr>
+          <p:nvPr>
+            <p:ph type="title"/>
+          </p:nvPr>
+        </p:nvSpPr>
+        <p:spPr/>
+        <p:txBody>
+          <a:bodyPr/>
+          <a:lstStyle/>
+          <a:p>
+            <a:r>
+              <a:rPr lang="pt-BR" dirty="0" smtClean="0"/>
+              <a:t>BGP</a:t>
+            </a:r>
+            <a:endParaRPr lang="pt-BR" dirty="0"/>
+          </a:p>
+        </p:txBody>
+      </p:sp>
+      <p:sp>
+        <p:nvSpPr>
+          <p:cNvPr id="3" name="Content Placeholder 2"/>
+          <p:cNvSpPr>
+            <a:spLocks noGrp="1"/>
+          </p:cNvSpPr>
+          <p:nvPr>
+            <p:ph idx="1"/>
+          </p:nvPr>
+        </p:nvSpPr>
+        <p:spPr/>
+        <p:txBody>
+          <a:bodyPr/>
+          <a:lstStyle/>
+          <a:p>
+            <a:r>
+              <a:rPr lang="pt-BR" dirty="0" smtClean="0"/>
+              <a:t>BGP (Border Gateway Protocol)</a:t>
+            </a:r>
+          </a:p>
+          <a:p>
+            <a:pPr lvl="1"/>
+            <a:r>
+              <a:rPr lang="pt-BR" dirty="0" smtClean="0"/>
+              <a:t>Inter-AS</a:t>
+            </a:r>
+          </a:p>
+          <a:p>
+            <a:pPr lvl="1"/>
+            <a:r>
+              <a:rPr lang="pt-BR" dirty="0" smtClean="0"/>
+              <a:t>Determina alcance de sub-redes</a:t>
+            </a:r>
+          </a:p>
+          <a:p>
+            <a:pPr lvl="1"/>
+            <a:r>
+              <a:rPr lang="pt-BR" dirty="0" smtClean="0"/>
+              <a:t>Sub-redes podem anunciar existência para a Internet</a:t>
+            </a:r>
+          </a:p>
+          <a:p>
+            <a:pPr lvl="1"/>
+            <a:r>
+              <a:rPr lang="pt-BR" dirty="0" smtClean="0"/>
+              <a:t>Sobre TCP</a:t>
+            </a:r>
+          </a:p>
+          <a:p>
+            <a:pPr lvl="2"/>
+            <a:r>
+              <a:rPr lang="pt-BR" dirty="0" smtClean="0"/>
+              <a:t>Sessões BGP</a:t>
+            </a:r>
+          </a:p>
+          <a:p>
+            <a:pPr lvl="1"/>
+            <a:r>
+              <a:rPr lang="pt-BR" dirty="0" smtClean="0"/>
+              <a:t>Roteadores BGP falam em nome do AS</a:t>
+            </a:r>
+          </a:p>
+          <a:p>
+            <a:pPr lvl="1"/>
+            <a:r>
+              <a:rPr lang="pt-BR" dirty="0" smtClean="0"/>
+              <a:t>Agregação de rotas</a:t>
+            </a:r>
+          </a:p>
+          <a:p>
+            <a:endParaRPr lang="pt-BR" dirty="0"/>
+          </a:p>
+        </p:txBody>
+      </p:sp>
+    </p:spTree>
+  </p:cSld>
+  <p:clrMapOvr>
+    <a:masterClrMapping/>
+  </p:clrMapOvr>
+  <p:timing>
+    <p:tnLst>
+      <p:par>
+        <p:cTn id="1" dur="indefinite" restart="never" nodeType="tmRoot"/>
+      </p:par>
+    </p:tnLst>
+  </p:timing>
+</p:sld>
+</file>
+
+<file path=ppt/slides/slide18.xml><?xml version="1.0" encoding="utf-8"?>
 <p:sld xmlns:a="http://schemas.openxmlformats.org/drawingml/2006/main" xmlns:r="http://schemas.openxmlformats.org/officeDocument/2006/relationships" xmlns:p="http://schemas.openxmlformats.org/presentationml/2006/main">
   <p:cSld>
     <p:spTree>
@@ -15983,7 +16567,7 @@
 </p:sld>
 </file>
 
-<file path=ppt/slides/slide18.xml><?xml version="1.0" encoding="utf-8"?>
+<file path=ppt/slides/slide19.xml><?xml version="1.0" encoding="utf-8"?>
 <p:sld xmlns:a="http://schemas.openxmlformats.org/drawingml/2006/main" xmlns:r="http://schemas.openxmlformats.org/officeDocument/2006/relationships" xmlns:p="http://schemas.openxmlformats.org/presentationml/2006/main">
   <p:cSld>
     <p:spTree>
@@ -16480,7 +17064,6 @@
               <a:rPr lang="pt-BR" dirty="0" smtClean="0"/>
               <a:t>Integração entre sistemas autônomos</a:t>
             </a:r>
-            <a:endParaRPr lang="pt-BR" dirty="0" smtClean="0"/>
           </a:p>
         </p:txBody>
       </p:sp>
